--- a/presentation/broadband_thiago_quali.pptx
+++ b/presentation/broadband_thiago_quali.pptx
@@ -131,8 +131,7 @@
 <file path=ppt/revisionInfo.xml><?xml version="1.0" encoding="utf-8"?>
 <p1510:revInfo xmlns:a="http://schemas.openxmlformats.org/drawingml/2006/main" xmlns:r="http://schemas.openxmlformats.org/officeDocument/2006/relationships" xmlns:p1510="http://schemas.microsoft.com/office/powerpoint/2015/10/main">
   <p1510:revLst>
-    <p1510:client id="{5C3C11AD-B020-4433-9495-84F8DF6598DA}" v="272" dt="2020-04-26T15:20:01.401"/>
-    <p1510:client id="{C368B96E-F453-48C7-84E0-BC81D7A6CD3B}" v="2" dt="2020-04-26T15:21:53.839"/>
+    <p1510:client id="{6EF2450A-7B5F-4786-923B-C5F473E425CC}" v="4" dt="2020-05-20T21:15:57.757"/>
   </p1510:revLst>
 </p1510:revInfo>
 </file>
@@ -1789,6 +1788,154 @@
       </pc:sldMasterChg>
     </pc:docChg>
   </pc:docChgLst>
+  <pc:docChgLst>
+    <pc:chgData name="Thiago Mendes Rosa" userId="f6486954f74d8c30" providerId="LiveId" clId="{6EF2450A-7B5F-4786-923B-C5F473E425CC}"/>
+    <pc:docChg chg="custSel modSld">
+      <pc:chgData name="Thiago Mendes Rosa" userId="f6486954f74d8c30" providerId="LiveId" clId="{6EF2450A-7B5F-4786-923B-C5F473E425CC}" dt="2020-06-02T15:49:10.417" v="75" actId="20577"/>
+      <pc:docMkLst>
+        <pc:docMk/>
+      </pc:docMkLst>
+      <pc:sldChg chg="modSp mod">
+        <pc:chgData name="Thiago Mendes Rosa" userId="f6486954f74d8c30" providerId="LiveId" clId="{6EF2450A-7B5F-4786-923B-C5F473E425CC}" dt="2020-06-02T15:49:10.417" v="75" actId="20577"/>
+        <pc:sldMkLst>
+          <pc:docMk/>
+          <pc:sldMk cId="3430753548" sldId="257"/>
+        </pc:sldMkLst>
+        <pc:spChg chg="mod">
+          <ac:chgData name="Thiago Mendes Rosa" userId="f6486954f74d8c30" providerId="LiveId" clId="{6EF2450A-7B5F-4786-923B-C5F473E425CC}" dt="2020-06-02T15:49:10.417" v="75" actId="20577"/>
+          <ac:spMkLst>
+            <pc:docMk/>
+            <pc:sldMk cId="3430753548" sldId="257"/>
+            <ac:spMk id="6" creationId="{AD800C95-78BE-4CE5-A3E9-C119814DDEC1}"/>
+          </ac:spMkLst>
+        </pc:spChg>
+      </pc:sldChg>
+      <pc:sldChg chg="addSp delSp modSp mod">
+        <pc:chgData name="Thiago Mendes Rosa" userId="f6486954f74d8c30" providerId="LiveId" clId="{6EF2450A-7B5F-4786-923B-C5F473E425CC}" dt="2020-05-20T21:08:45.419" v="5" actId="1076"/>
+        <pc:sldMkLst>
+          <pc:docMk/>
+          <pc:sldMk cId="963660605" sldId="262"/>
+        </pc:sldMkLst>
+        <pc:picChg chg="add mod">
+          <ac:chgData name="Thiago Mendes Rosa" userId="f6486954f74d8c30" providerId="LiveId" clId="{6EF2450A-7B5F-4786-923B-C5F473E425CC}" dt="2020-05-20T21:08:45.419" v="5" actId="1076"/>
+          <ac:picMkLst>
+            <pc:docMk/>
+            <pc:sldMk cId="963660605" sldId="262"/>
+            <ac:picMk id="2" creationId="{2B4CDC0B-FEE7-4BE2-966F-FCFE5A11BA34}"/>
+          </ac:picMkLst>
+        </pc:picChg>
+        <pc:picChg chg="del mod">
+          <ac:chgData name="Thiago Mendes Rosa" userId="f6486954f74d8c30" providerId="LiveId" clId="{6EF2450A-7B5F-4786-923B-C5F473E425CC}" dt="2020-05-20T21:08:35.026" v="1" actId="478"/>
+          <ac:picMkLst>
+            <pc:docMk/>
+            <pc:sldMk cId="963660605" sldId="262"/>
+            <ac:picMk id="6" creationId="{9A5B6572-71AC-4516-88F3-9D25E9DD880A}"/>
+          </ac:picMkLst>
+        </pc:picChg>
+      </pc:sldChg>
+      <pc:sldChg chg="addSp delSp modSp mod">
+        <pc:chgData name="Thiago Mendes Rosa" userId="f6486954f74d8c30" providerId="LiveId" clId="{6EF2450A-7B5F-4786-923B-C5F473E425CC}" dt="2020-05-20T21:12:31.018" v="20" actId="14100"/>
+        <pc:sldMkLst>
+          <pc:docMk/>
+          <pc:sldMk cId="1341520477" sldId="264"/>
+        </pc:sldMkLst>
+        <pc:spChg chg="mod">
+          <ac:chgData name="Thiago Mendes Rosa" userId="f6486954f74d8c30" providerId="LiveId" clId="{6EF2450A-7B5F-4786-923B-C5F473E425CC}" dt="2020-05-20T21:12:09.127" v="15" actId="14100"/>
+          <ac:spMkLst>
+            <pc:docMk/>
+            <pc:sldMk cId="1341520477" sldId="264"/>
+            <ac:spMk id="7" creationId="{35BC85E8-EBEC-4172-9DA6-55C2A55B0EC2}"/>
+          </ac:spMkLst>
+        </pc:spChg>
+        <pc:spChg chg="mod">
+          <ac:chgData name="Thiago Mendes Rosa" userId="f6486954f74d8c30" providerId="LiveId" clId="{6EF2450A-7B5F-4786-923B-C5F473E425CC}" dt="2020-05-20T21:12:31.018" v="20" actId="14100"/>
+          <ac:spMkLst>
+            <pc:docMk/>
+            <pc:sldMk cId="1341520477" sldId="264"/>
+            <ac:spMk id="8" creationId="{79454E2C-B4BA-4BD9-9307-8444A3C1002A}"/>
+          </ac:spMkLst>
+        </pc:spChg>
+        <pc:picChg chg="add mod ord">
+          <ac:chgData name="Thiago Mendes Rosa" userId="f6486954f74d8c30" providerId="LiveId" clId="{6EF2450A-7B5F-4786-923B-C5F473E425CC}" dt="2020-05-20T21:11:53.171" v="13" actId="14100"/>
+          <ac:picMkLst>
+            <pc:docMk/>
+            <pc:sldMk cId="1341520477" sldId="264"/>
+            <ac:picMk id="2" creationId="{B065221A-5378-46B5-938B-36355F54533F}"/>
+          </ac:picMkLst>
+        </pc:picChg>
+        <pc:picChg chg="del">
+          <ac:chgData name="Thiago Mendes Rosa" userId="f6486954f74d8c30" providerId="LiveId" clId="{6EF2450A-7B5F-4786-923B-C5F473E425CC}" dt="2020-05-20T21:11:42.591" v="9" actId="478"/>
+          <ac:picMkLst>
+            <pc:docMk/>
+            <pc:sldMk cId="1341520477" sldId="264"/>
+            <ac:picMk id="6" creationId="{6B36628F-CF63-4F72-B07E-6E6A3790D24E}"/>
+          </ac:picMkLst>
+        </pc:picChg>
+      </pc:sldChg>
+      <pc:sldChg chg="addSp delSp modSp mod">
+        <pc:chgData name="Thiago Mendes Rosa" userId="f6486954f74d8c30" providerId="LiveId" clId="{6EF2450A-7B5F-4786-923B-C5F473E425CC}" dt="2020-05-20T21:14:11.854" v="33" actId="14100"/>
+        <pc:sldMkLst>
+          <pc:docMk/>
+          <pc:sldMk cId="1030367964" sldId="265"/>
+        </pc:sldMkLst>
+        <pc:spChg chg="mod">
+          <ac:chgData name="Thiago Mendes Rosa" userId="f6486954f74d8c30" providerId="LiveId" clId="{6EF2450A-7B5F-4786-923B-C5F473E425CC}" dt="2020-05-20T21:14:11.854" v="33" actId="14100"/>
+          <ac:spMkLst>
+            <pc:docMk/>
+            <pc:sldMk cId="1030367964" sldId="265"/>
+            <ac:spMk id="7" creationId="{79A10F0E-8E1B-40BF-98AF-FE73BE92741E}"/>
+          </ac:spMkLst>
+        </pc:spChg>
+        <pc:picChg chg="add mod ord">
+          <ac:chgData name="Thiago Mendes Rosa" userId="f6486954f74d8c30" providerId="LiveId" clId="{6EF2450A-7B5F-4786-923B-C5F473E425CC}" dt="2020-05-20T21:14:00.675" v="31" actId="1035"/>
+          <ac:picMkLst>
+            <pc:docMk/>
+            <pc:sldMk cId="1030367964" sldId="265"/>
+            <ac:picMk id="2" creationId="{FDD9D595-E6BF-4FA2-B2D9-95CD7528EB4A}"/>
+          </ac:picMkLst>
+        </pc:picChg>
+        <pc:picChg chg="del">
+          <ac:chgData name="Thiago Mendes Rosa" userId="f6486954f74d8c30" providerId="LiveId" clId="{6EF2450A-7B5F-4786-923B-C5F473E425CC}" dt="2020-05-20T21:13:45.771" v="23" actId="478"/>
+          <ac:picMkLst>
+            <pc:docMk/>
+            <pc:sldMk cId="1030367964" sldId="265"/>
+            <ac:picMk id="6" creationId="{85119C75-3ABC-4705-B512-517CA577A17E}"/>
+          </ac:picMkLst>
+        </pc:picChg>
+      </pc:sldChg>
+      <pc:sldChg chg="addSp delSp modSp mod">
+        <pc:chgData name="Thiago Mendes Rosa" userId="f6486954f74d8c30" providerId="LiveId" clId="{6EF2450A-7B5F-4786-923B-C5F473E425CC}" dt="2020-05-20T21:17:01.543" v="58" actId="14100"/>
+        <pc:sldMkLst>
+          <pc:docMk/>
+          <pc:sldMk cId="1045080183" sldId="266"/>
+        </pc:sldMkLst>
+        <pc:spChg chg="mod">
+          <ac:chgData name="Thiago Mendes Rosa" userId="f6486954f74d8c30" providerId="LiveId" clId="{6EF2450A-7B5F-4786-923B-C5F473E425CC}" dt="2020-05-20T21:17:01.543" v="58" actId="14100"/>
+          <ac:spMkLst>
+            <pc:docMk/>
+            <pc:sldMk cId="1045080183" sldId="266"/>
+            <ac:spMk id="7" creationId="{02B0055B-6068-4BA2-BCF7-B00528DAE520}"/>
+          </ac:spMkLst>
+        </pc:spChg>
+        <pc:picChg chg="add mod ord">
+          <ac:chgData name="Thiago Mendes Rosa" userId="f6486954f74d8c30" providerId="LiveId" clId="{6EF2450A-7B5F-4786-923B-C5F473E425CC}" dt="2020-05-20T21:16:24.855" v="49" actId="1035"/>
+          <ac:picMkLst>
+            <pc:docMk/>
+            <pc:sldMk cId="1045080183" sldId="266"/>
+            <ac:picMk id="2" creationId="{432D83FF-EE15-40D3-ADE2-8DC404053BFE}"/>
+          </ac:picMkLst>
+        </pc:picChg>
+        <pc:picChg chg="del">
+          <ac:chgData name="Thiago Mendes Rosa" userId="f6486954f74d8c30" providerId="LiveId" clId="{6EF2450A-7B5F-4786-923B-C5F473E425CC}" dt="2020-05-20T21:16:11.188" v="36" actId="478"/>
+          <ac:picMkLst>
+            <pc:docMk/>
+            <pc:sldMk cId="1045080183" sldId="266"/>
+            <ac:picMk id="6" creationId="{A727E18C-BEDC-4C38-9E70-B13EFE6579B4}"/>
+          </ac:picMkLst>
+        </pc:picChg>
+      </pc:sldChg>
+    </pc:docChg>
+  </pc:docChgLst>
 </pc:chgInfo>
 </file>
 
@@ -1874,7 +2021,7 @@
           <a:p>
             <a:fld id="{32383652-51B7-4A74-B25B-1E20F611C7F9}" type="datetimeFigureOut">
               <a:rPr lang="en-US" smtClean="0"/>
-              <a:t>4/26/2020</a:t>
+              <a:t>6/2/2020</a:t>
             </a:fld>
             <a:endParaRPr lang="en-US"/>
           </a:p>
@@ -2302,7 +2449,7 @@
             <a:fld id="{A2D3A649-F770-4229-9F59-531CB7DB31A8}" type="datetime1">
               <a:rPr lang="en-US" smtClean="0"/>
               <a:pPr/>
-              <a:t>4/26/2020</a:t>
+              <a:t>6/2/2020</a:t>
             </a:fld>
             <a:endParaRPr lang="en-US"/>
           </a:p>
@@ -2525,7 +2672,7 @@
           <a:p>
             <a:fld id="{CA70CE97-8511-48C8-B8F7-E9CC82C81A9D}" type="datetime1">
               <a:rPr lang="en-US" smtClean="0"/>
-              <a:t>4/26/2020</a:t>
+              <a:t>6/2/2020</a:t>
             </a:fld>
             <a:endParaRPr lang="en-US"/>
           </a:p>
@@ -2794,7 +2941,7 @@
           <a:p>
             <a:fld id="{F81DE4C0-037D-407A-89B7-7D05C80DB123}" type="datetime1">
               <a:rPr lang="en-US" smtClean="0"/>
-              <a:t>4/26/2020</a:t>
+              <a:t>6/2/2020</a:t>
             </a:fld>
             <a:endParaRPr lang="en-US"/>
           </a:p>
@@ -3055,7 +3202,7 @@
           <a:p>
             <a:fld id="{F4BF5EC7-594E-4D91-B803-77412DF475A4}" type="datetime1">
               <a:rPr lang="en-US" smtClean="0"/>
-              <a:t>4/26/2020</a:t>
+              <a:t>6/2/2020</a:t>
             </a:fld>
             <a:endParaRPr lang="en-US"/>
           </a:p>
@@ -3391,7 +3538,7 @@
           <a:p>
             <a:fld id="{54A10632-7866-43DC-8EED-B9E5C8A3065E}" type="datetime1">
               <a:rPr lang="en-US" smtClean="0"/>
-              <a:t>4/26/2020</a:t>
+              <a:t>6/2/2020</a:t>
             </a:fld>
             <a:endParaRPr lang="en-US"/>
           </a:p>
@@ -3717,7 +3864,7 @@
           <a:p>
             <a:fld id="{9108C343-B4FC-4CA1-A9FE-8401C8895B8D}" type="datetime1">
               <a:rPr lang="en-US" smtClean="0"/>
-              <a:t>4/26/2020</a:t>
+              <a:t>6/2/2020</a:t>
             </a:fld>
             <a:endParaRPr lang="en-US"/>
           </a:p>
@@ -4190,7 +4337,7 @@
           <a:p>
             <a:fld id="{FB060CA6-6386-436A-BF59-F83881DE0D4C}" type="datetime1">
               <a:rPr lang="en-US" smtClean="0"/>
-              <a:t>4/26/2020</a:t>
+              <a:t>6/2/2020</a:t>
             </a:fld>
             <a:endParaRPr lang="en-US"/>
           </a:p>
@@ -4343,7 +4490,7 @@
           <a:p>
             <a:fld id="{A50A6E4B-5E14-4515-910D-8CF8D051E2FD}" type="datetime1">
               <a:rPr lang="en-US" smtClean="0"/>
-              <a:t>4/26/2020</a:t>
+              <a:t>6/2/2020</a:t>
             </a:fld>
             <a:endParaRPr lang="en-US"/>
           </a:p>
@@ -4517,7 +4664,7 @@
           <a:p>
             <a:fld id="{9397A7F3-1694-4617-813A-7D38B942CE65}" type="datetime1">
               <a:rPr lang="en-US" smtClean="0"/>
-              <a:t>4/26/2020</a:t>
+              <a:t>6/2/2020</a:t>
             </a:fld>
             <a:endParaRPr lang="en-US"/>
           </a:p>
@@ -4889,7 +5036,7 @@
           <a:p>
             <a:fld id="{C4F6DC54-7D0E-49F7-A59F-89B1E5C72C35}" type="datetime1">
               <a:rPr lang="en-US" smtClean="0"/>
-              <a:t>4/26/2020</a:t>
+              <a:t>6/2/2020</a:t>
             </a:fld>
             <a:endParaRPr lang="en-US"/>
           </a:p>
@@ -5238,7 +5385,7 @@
           <a:p>
             <a:fld id="{59379857-7C17-4EC5-AAB5-09ADBB4BEB49}" type="datetime1">
               <a:rPr lang="en-US" smtClean="0"/>
-              <a:t>4/26/2020</a:t>
+              <a:t>6/2/2020</a:t>
             </a:fld>
             <a:endParaRPr lang="en-US"/>
           </a:p>
@@ -5542,7 +5689,7 @@
             <a:fld id="{2B68A63F-E585-47C1-B5E1-92A192828A73}" type="datetime1">
               <a:rPr lang="en-US" smtClean="0"/>
               <a:pPr/>
-              <a:t>4/26/2020</a:t>
+              <a:t>6/2/2020</a:t>
             </a:fld>
             <a:endParaRPr lang="en-US"/>
           </a:p>
@@ -6688,70 +6835,12 @@
           <a:chExt cx="0" cy="0"/>
         </a:xfrm>
       </p:grpSpPr>
-      <p:sp>
-        <p:nvSpPr>
-          <p:cNvPr id="4" name="Espaço Reservado para Data 3">
-            <a:extLst>
-              <a:ext uri="{FF2B5EF4-FFF2-40B4-BE49-F238E27FC236}">
-                <a16:creationId xmlns:a16="http://schemas.microsoft.com/office/drawing/2014/main" id="{4797C4C8-5BFE-41D0-B6B3-ECAF288FFB61}"/>
-              </a:ext>
-            </a:extLst>
-          </p:cNvPr>
-          <p:cNvSpPr>
-            <a:spLocks noGrp="1"/>
-          </p:cNvSpPr>
-          <p:nvPr>
-            <p:ph type="dt" sz="half" idx="10"/>
-          </p:nvPr>
-        </p:nvSpPr>
-        <p:spPr/>
-        <p:txBody>
-          <a:bodyPr/>
-          <a:lstStyle/>
-          <a:p>
-            <a:fld id="{F4BF5EC7-594E-4D91-B803-77412DF475A4}" type="datetime1">
-              <a:rPr lang="en-US" smtClean="0"/>
-              <a:t>4/26/2020</a:t>
-            </a:fld>
-            <a:endParaRPr lang="en-US"/>
-          </a:p>
-        </p:txBody>
-      </p:sp>
-      <p:sp>
-        <p:nvSpPr>
-          <p:cNvPr id="5" name="Espaço Reservado para Número de Slide 4">
-            <a:extLst>
-              <a:ext uri="{FF2B5EF4-FFF2-40B4-BE49-F238E27FC236}">
-                <a16:creationId xmlns:a16="http://schemas.microsoft.com/office/drawing/2014/main" id="{9BC76D8E-82F8-4D95-9C1F-07AB8E542E53}"/>
-              </a:ext>
-            </a:extLst>
-          </p:cNvPr>
-          <p:cNvSpPr>
-            <a:spLocks noGrp="1"/>
-          </p:cNvSpPr>
-          <p:nvPr>
-            <p:ph type="sldNum" sz="quarter" idx="12"/>
-          </p:nvPr>
-        </p:nvSpPr>
-        <p:spPr/>
-        <p:txBody>
-          <a:bodyPr/>
-          <a:lstStyle/>
-          <a:p>
-            <a:fld id="{62ED1243-C1E9-4242-9C72-2A843FC4E208}" type="slidenum">
-              <a:rPr lang="en-US" smtClean="0"/>
-              <a:t>10</a:t>
-            </a:fld>
-            <a:endParaRPr lang="en-US"/>
-          </a:p>
-        </p:txBody>
-      </p:sp>
       <p:pic>
         <p:nvPicPr>
-          <p:cNvPr id="6" name="Imagem 5">
-            <a:extLst>
-              <a:ext uri="{FF2B5EF4-FFF2-40B4-BE49-F238E27FC236}">
-                <a16:creationId xmlns:a16="http://schemas.microsoft.com/office/drawing/2014/main" id="{85119C75-3ABC-4705-B512-517CA577A17E}"/>
+          <p:cNvPr id="2" name="Imagem 1">
+            <a:extLst>
+              <a:ext uri="{FF2B5EF4-FFF2-40B4-BE49-F238E27FC236}">
+                <a16:creationId xmlns:a16="http://schemas.microsoft.com/office/drawing/2014/main" id="{FDD9D595-E6BF-4FA2-B2D9-95CD7528EB4A}"/>
               </a:ext>
             </a:extLst>
           </p:cNvPr>
@@ -6768,8 +6857,8 @@
         </p:blipFill>
         <p:spPr>
           <a:xfrm>
-            <a:off x="3095210" y="773694"/>
-            <a:ext cx="6045570" cy="6025518"/>
+            <a:off x="3655444" y="723886"/>
+            <a:ext cx="4955156" cy="6107988"/>
           </a:xfrm>
           <a:prstGeom prst="rect">
             <a:avLst/>
@@ -6778,6 +6867,64 @@
       </p:pic>
       <p:sp>
         <p:nvSpPr>
+          <p:cNvPr id="4" name="Espaço Reservado para Data 3">
+            <a:extLst>
+              <a:ext uri="{FF2B5EF4-FFF2-40B4-BE49-F238E27FC236}">
+                <a16:creationId xmlns:a16="http://schemas.microsoft.com/office/drawing/2014/main" id="{4797C4C8-5BFE-41D0-B6B3-ECAF288FFB61}"/>
+              </a:ext>
+            </a:extLst>
+          </p:cNvPr>
+          <p:cNvSpPr>
+            <a:spLocks noGrp="1"/>
+          </p:cNvSpPr>
+          <p:nvPr>
+            <p:ph type="dt" sz="half" idx="10"/>
+          </p:nvPr>
+        </p:nvSpPr>
+        <p:spPr/>
+        <p:txBody>
+          <a:bodyPr/>
+          <a:lstStyle/>
+          <a:p>
+            <a:fld id="{F4BF5EC7-594E-4D91-B803-77412DF475A4}" type="datetime1">
+              <a:rPr lang="en-US" smtClean="0"/>
+              <a:t>6/2/2020</a:t>
+            </a:fld>
+            <a:endParaRPr lang="en-US"/>
+          </a:p>
+        </p:txBody>
+      </p:sp>
+      <p:sp>
+        <p:nvSpPr>
+          <p:cNvPr id="5" name="Espaço Reservado para Número de Slide 4">
+            <a:extLst>
+              <a:ext uri="{FF2B5EF4-FFF2-40B4-BE49-F238E27FC236}">
+                <a16:creationId xmlns:a16="http://schemas.microsoft.com/office/drawing/2014/main" id="{9BC76D8E-82F8-4D95-9C1F-07AB8E542E53}"/>
+              </a:ext>
+            </a:extLst>
+          </p:cNvPr>
+          <p:cNvSpPr>
+            <a:spLocks noGrp="1"/>
+          </p:cNvSpPr>
+          <p:nvPr>
+            <p:ph type="sldNum" sz="quarter" idx="12"/>
+          </p:nvPr>
+        </p:nvSpPr>
+        <p:spPr/>
+        <p:txBody>
+          <a:bodyPr/>
+          <a:lstStyle/>
+          <a:p>
+            <a:fld id="{62ED1243-C1E9-4242-9C72-2A843FC4E208}" type="slidenum">
+              <a:rPr lang="en-US" smtClean="0"/>
+              <a:t>10</a:t>
+            </a:fld>
+            <a:endParaRPr lang="en-US"/>
+          </a:p>
+        </p:txBody>
+      </p:sp>
+      <p:sp>
+        <p:nvSpPr>
           <p:cNvPr id="7" name="Retângulo Arredondado 8">
             <a:extLst>
               <a:ext uri="{FF2B5EF4-FFF2-40B4-BE49-F238E27FC236}">
@@ -6790,8 +6937,8 @@
         </p:nvSpPr>
         <p:spPr>
           <a:xfrm>
-            <a:off x="3103237" y="3006247"/>
-            <a:ext cx="5974915" cy="425885"/>
+            <a:off x="4519749" y="3006247"/>
+            <a:ext cx="3618411" cy="425885"/>
           </a:xfrm>
           <a:prstGeom prst="roundRect">
             <a:avLst/>
@@ -7053,70 +7200,12 @@
           <a:chExt cx="0" cy="0"/>
         </a:xfrm>
       </p:grpSpPr>
-      <p:sp>
-        <p:nvSpPr>
-          <p:cNvPr id="4" name="Espaço Reservado para Data 3">
-            <a:extLst>
-              <a:ext uri="{FF2B5EF4-FFF2-40B4-BE49-F238E27FC236}">
-                <a16:creationId xmlns:a16="http://schemas.microsoft.com/office/drawing/2014/main" id="{81C0A596-1EAC-4557-BF87-68AADA839C17}"/>
-              </a:ext>
-            </a:extLst>
-          </p:cNvPr>
-          <p:cNvSpPr>
-            <a:spLocks noGrp="1"/>
-          </p:cNvSpPr>
-          <p:nvPr>
-            <p:ph type="dt" sz="half" idx="10"/>
-          </p:nvPr>
-        </p:nvSpPr>
-        <p:spPr/>
-        <p:txBody>
-          <a:bodyPr/>
-          <a:lstStyle/>
-          <a:p>
-            <a:fld id="{F4BF5EC7-594E-4D91-B803-77412DF475A4}" type="datetime1">
-              <a:rPr lang="en-US" smtClean="0"/>
-              <a:t>4/26/2020</a:t>
-            </a:fld>
-            <a:endParaRPr lang="en-US"/>
-          </a:p>
-        </p:txBody>
-      </p:sp>
-      <p:sp>
-        <p:nvSpPr>
-          <p:cNvPr id="5" name="Espaço Reservado para Número de Slide 4">
-            <a:extLst>
-              <a:ext uri="{FF2B5EF4-FFF2-40B4-BE49-F238E27FC236}">
-                <a16:creationId xmlns:a16="http://schemas.microsoft.com/office/drawing/2014/main" id="{5E905834-51FB-448D-90E1-F3DD47DC5CC6}"/>
-              </a:ext>
-            </a:extLst>
-          </p:cNvPr>
-          <p:cNvSpPr>
-            <a:spLocks noGrp="1"/>
-          </p:cNvSpPr>
-          <p:nvPr>
-            <p:ph type="sldNum" sz="quarter" idx="12"/>
-          </p:nvPr>
-        </p:nvSpPr>
-        <p:spPr/>
-        <p:txBody>
-          <a:bodyPr/>
-          <a:lstStyle/>
-          <a:p>
-            <a:fld id="{62ED1243-C1E9-4242-9C72-2A843FC4E208}" type="slidenum">
-              <a:rPr lang="en-US" smtClean="0"/>
-              <a:t>11</a:t>
-            </a:fld>
-            <a:endParaRPr lang="en-US"/>
-          </a:p>
-        </p:txBody>
-      </p:sp>
       <p:pic>
         <p:nvPicPr>
-          <p:cNvPr id="6" name="Imagem 5">
-            <a:extLst>
-              <a:ext uri="{FF2B5EF4-FFF2-40B4-BE49-F238E27FC236}">
-                <a16:creationId xmlns:a16="http://schemas.microsoft.com/office/drawing/2014/main" id="{A727E18C-BEDC-4C38-9E70-B13EFE6579B4}"/>
+          <p:cNvPr id="2" name="Imagem 1">
+            <a:extLst>
+              <a:ext uri="{FF2B5EF4-FFF2-40B4-BE49-F238E27FC236}">
+                <a16:creationId xmlns:a16="http://schemas.microsoft.com/office/drawing/2014/main" id="{432D83FF-EE15-40D3-ADE2-8DC404053BFE}"/>
               </a:ext>
             </a:extLst>
           </p:cNvPr>
@@ -7133,8 +7222,8 @@
         </p:blipFill>
         <p:spPr>
           <a:xfrm>
-            <a:off x="3228405" y="779806"/>
-            <a:ext cx="5727146" cy="6037841"/>
+            <a:off x="3434741" y="740046"/>
+            <a:ext cx="4873236" cy="6062070"/>
           </a:xfrm>
           <a:prstGeom prst="rect">
             <a:avLst/>
@@ -7143,6 +7232,64 @@
       </p:pic>
       <p:sp>
         <p:nvSpPr>
+          <p:cNvPr id="4" name="Espaço Reservado para Data 3">
+            <a:extLst>
+              <a:ext uri="{FF2B5EF4-FFF2-40B4-BE49-F238E27FC236}">
+                <a16:creationId xmlns:a16="http://schemas.microsoft.com/office/drawing/2014/main" id="{81C0A596-1EAC-4557-BF87-68AADA839C17}"/>
+              </a:ext>
+            </a:extLst>
+          </p:cNvPr>
+          <p:cNvSpPr>
+            <a:spLocks noGrp="1"/>
+          </p:cNvSpPr>
+          <p:nvPr>
+            <p:ph type="dt" sz="half" idx="10"/>
+          </p:nvPr>
+        </p:nvSpPr>
+        <p:spPr/>
+        <p:txBody>
+          <a:bodyPr/>
+          <a:lstStyle/>
+          <a:p>
+            <a:fld id="{F4BF5EC7-594E-4D91-B803-77412DF475A4}" type="datetime1">
+              <a:rPr lang="en-US" smtClean="0"/>
+              <a:t>6/2/2020</a:t>
+            </a:fld>
+            <a:endParaRPr lang="en-US"/>
+          </a:p>
+        </p:txBody>
+      </p:sp>
+      <p:sp>
+        <p:nvSpPr>
+          <p:cNvPr id="5" name="Espaço Reservado para Número de Slide 4">
+            <a:extLst>
+              <a:ext uri="{FF2B5EF4-FFF2-40B4-BE49-F238E27FC236}">
+                <a16:creationId xmlns:a16="http://schemas.microsoft.com/office/drawing/2014/main" id="{5E905834-51FB-448D-90E1-F3DD47DC5CC6}"/>
+              </a:ext>
+            </a:extLst>
+          </p:cNvPr>
+          <p:cNvSpPr>
+            <a:spLocks noGrp="1"/>
+          </p:cNvSpPr>
+          <p:nvPr>
+            <p:ph type="sldNum" sz="quarter" idx="12"/>
+          </p:nvPr>
+        </p:nvSpPr>
+        <p:spPr/>
+        <p:txBody>
+          <a:bodyPr/>
+          <a:lstStyle/>
+          <a:p>
+            <a:fld id="{62ED1243-C1E9-4242-9C72-2A843FC4E208}" type="slidenum">
+              <a:rPr lang="en-US" smtClean="0"/>
+              <a:t>11</a:t>
+            </a:fld>
+            <a:endParaRPr lang="en-US"/>
+          </a:p>
+        </p:txBody>
+      </p:sp>
+      <p:sp>
+        <p:nvSpPr>
           <p:cNvPr id="7" name="Retângulo Arredondado 8">
             <a:extLst>
               <a:ext uri="{FF2B5EF4-FFF2-40B4-BE49-F238E27FC236}">
@@ -7155,8 +7302,8 @@
         </p:nvSpPr>
         <p:spPr>
           <a:xfrm>
-            <a:off x="3237799" y="2967059"/>
-            <a:ext cx="5624187" cy="375780"/>
+            <a:off x="3827418" y="2948271"/>
+            <a:ext cx="4480560" cy="343570"/>
           </a:xfrm>
           <a:prstGeom prst="roundRect">
             <a:avLst/>
@@ -7431,7 +7578,7 @@
           <a:p>
             <a:fld id="{F4BF5EC7-594E-4D91-B803-77412DF475A4}" type="datetime1">
               <a:rPr lang="en-US" smtClean="0"/>
-              <a:t>4/26/2020</a:t>
+              <a:t>6/2/2020</a:t>
             </a:fld>
             <a:endParaRPr lang="en-US"/>
           </a:p>
@@ -7799,7 +7946,7 @@
           <a:p>
             <a:fld id="{F4BF5EC7-594E-4D91-B803-77412DF475A4}" type="datetime1">
               <a:rPr lang="en-US" smtClean="0"/>
-              <a:t>4/26/2020</a:t>
+              <a:t>6/2/2020</a:t>
             </a:fld>
             <a:endParaRPr lang="en-US"/>
           </a:p>
@@ -8665,7 +8812,7 @@
           <a:p>
             <a:fld id="{9397A7F3-1694-4617-813A-7D38B942CE65}" type="datetime1">
               <a:rPr lang="en-US" smtClean="0"/>
-              <a:t>4/26/2020</a:t>
+              <a:t>6/2/2020</a:t>
             </a:fld>
             <a:endParaRPr lang="en-US"/>
           </a:p>
@@ -8812,7 +8959,7 @@
           <a:p>
             <a:fld id="{F4BF5EC7-594E-4D91-B803-77412DF475A4}" type="datetime1">
               <a:rPr lang="en-US" smtClean="0"/>
-              <a:t>4/26/2020</a:t>
+              <a:t>6/2/2020</a:t>
             </a:fld>
             <a:endParaRPr lang="en-US"/>
           </a:p>
@@ -8919,7 +9066,7 @@
             </a:endParaRPr>
           </a:p>
           <a:p>
-            <a:pPr lvl="1" algn="just"/>
+            <a:pPr marL="442913" lvl="1" algn="just"/>
             <a:r>
               <a:rPr lang="en-US" sz="2400" b="1" dirty="0">
                 <a:solidFill>
@@ -8985,17 +9132,7 @@
             </a:endParaRPr>
           </a:p>
           <a:p>
-            <a:pPr marL="0" lvl="1"/>
-            <a:r>
-              <a:rPr lang="pt-BR" sz="2400" b="1" dirty="0">
-                <a:solidFill>
-                  <a:srgbClr val="233E6A"/>
-                </a:solidFill>
-                <a:latin typeface="UnB Office" panose="020B0604020202020204" pitchFamily="34" charset="0"/>
-                <a:cs typeface="Arial" panose="020B0604020202020204" pitchFamily="34" charset="0"/>
-              </a:rPr>
-              <a:t>	</a:t>
-            </a:r>
+            <a:pPr marL="442913" lvl="1"/>
             <a:r>
               <a:rPr lang="en-US" sz="2400" b="1" dirty="0">
                 <a:solidFill>
@@ -9091,17 +9228,7 @@
             </a:endParaRPr>
           </a:p>
           <a:p>
-            <a:pPr marL="0" lvl="1"/>
-            <a:r>
-              <a:rPr lang="pt-BR" sz="2400" dirty="0">
-                <a:solidFill>
-                  <a:srgbClr val="233E6A"/>
-                </a:solidFill>
-                <a:latin typeface="UnB Office" panose="020B0604020202020204" pitchFamily="34" charset="0"/>
-                <a:cs typeface="Arial" panose="020B0604020202020204" pitchFamily="34" charset="0"/>
-              </a:rPr>
-              <a:t>	</a:t>
-            </a:r>
+            <a:pPr marL="442913" lvl="1"/>
             <a:r>
               <a:rPr lang="en-US" sz="2400" b="1" dirty="0">
                 <a:solidFill>
@@ -9200,7 +9327,7 @@
           <a:p>
             <a:fld id="{F4BF5EC7-594E-4D91-B803-77412DF475A4}" type="datetime1">
               <a:rPr lang="en-US" smtClean="0"/>
-              <a:t>4/26/2020</a:t>
+              <a:t>6/2/2020</a:t>
             </a:fld>
             <a:endParaRPr lang="en-US"/>
           </a:p>
@@ -10672,7 +10799,7 @@
           <a:p>
             <a:fld id="{F4BF5EC7-594E-4D91-B803-77412DF475A4}" type="datetime1">
               <a:rPr lang="en-US" smtClean="0"/>
-              <a:t>4/26/2020</a:t>
+              <a:t>6/2/2020</a:t>
             </a:fld>
             <a:endParaRPr lang="en-US"/>
           </a:p>
@@ -12293,7 +12420,7 @@
           <a:p>
             <a:fld id="{F4BF5EC7-594E-4D91-B803-77412DF475A4}" type="datetime1">
               <a:rPr lang="en-US" smtClean="0"/>
-              <a:t>4/26/2020</a:t>
+              <a:t>6/2/2020</a:t>
             </a:fld>
             <a:endParaRPr lang="en-US"/>
           </a:p>
@@ -12749,7 +12876,7 @@
           <a:p>
             <a:fld id="{F4BF5EC7-594E-4D91-B803-77412DF475A4}" type="datetime1">
               <a:rPr lang="en-US" smtClean="0"/>
-              <a:t>4/26/2020</a:t>
+              <a:t>6/2/2020</a:t>
             </a:fld>
             <a:endParaRPr lang="en-US"/>
           </a:p>
@@ -12963,7 +13090,7 @@
           <a:p>
             <a:fld id="{F4BF5EC7-594E-4D91-B803-77412DF475A4}" type="datetime1">
               <a:rPr lang="en-US" smtClean="0"/>
-              <a:t>4/26/2020</a:t>
+              <a:t>6/2/2020</a:t>
             </a:fld>
             <a:endParaRPr lang="en-US"/>
           </a:p>
@@ -12998,42 +13125,6 @@
           </a:p>
         </p:txBody>
       </p:sp>
-      <p:pic>
-        <p:nvPicPr>
-          <p:cNvPr id="6" name="Imagem 5">
-            <a:extLst>
-              <a:ext uri="{FF2B5EF4-FFF2-40B4-BE49-F238E27FC236}">
-                <a16:creationId xmlns:a16="http://schemas.microsoft.com/office/drawing/2014/main" id="{9A5B6572-71AC-4516-88F3-9D25E9DD880A}"/>
-              </a:ext>
-            </a:extLst>
-          </p:cNvPr>
-          <p:cNvPicPr>
-            <a:picLocks noChangeAspect="1"/>
-          </p:cNvPicPr>
-          <p:nvPr/>
-        </p:nvPicPr>
-        <p:blipFill>
-          <a:blip r:embed="rId2">
-            <a:extLst>
-              <a:ext uri="{28A0092B-C50C-407E-A947-70E740481C1C}">
-                <a14:useLocalDpi xmlns:a14="http://schemas.microsoft.com/office/drawing/2010/main" val="0"/>
-              </a:ext>
-            </a:extLst>
-          </a:blip>
-          <a:stretch>
-            <a:fillRect/>
-          </a:stretch>
-        </p:blipFill>
-        <p:spPr>
-          <a:xfrm>
-            <a:off x="1680395" y="843145"/>
-            <a:ext cx="8779121" cy="5852747"/>
-          </a:xfrm>
-          <a:prstGeom prst="rect">
-            <a:avLst/>
-          </a:prstGeom>
-        </p:spPr>
-      </p:pic>
       <p:sp>
         <p:nvSpPr>
           <p:cNvPr id="7" name="TextBox 7">
@@ -13157,6 +13248,36 @@
           </a:p>
         </p:txBody>
       </p:sp>
+      <p:pic>
+        <p:nvPicPr>
+          <p:cNvPr id="2" name="Imagem 1">
+            <a:extLst>
+              <a:ext uri="{FF2B5EF4-FFF2-40B4-BE49-F238E27FC236}">
+                <a16:creationId xmlns:a16="http://schemas.microsoft.com/office/drawing/2014/main" id="{2B4CDC0B-FEE7-4BE2-966F-FCFE5A11BA34}"/>
+              </a:ext>
+            </a:extLst>
+          </p:cNvPr>
+          <p:cNvPicPr>
+            <a:picLocks noChangeAspect="1"/>
+          </p:cNvPicPr>
+          <p:nvPr/>
+        </p:nvPicPr>
+        <p:blipFill>
+          <a:blip r:embed="rId2"/>
+          <a:stretch>
+            <a:fillRect/>
+          </a:stretch>
+        </p:blipFill>
+        <p:spPr>
+          <a:xfrm>
+            <a:off x="2059373" y="1423403"/>
+            <a:ext cx="8073253" cy="5298072"/>
+          </a:xfrm>
+          <a:prstGeom prst="rect">
+            <a:avLst/>
+          </a:prstGeom>
+        </p:spPr>
+      </p:pic>
     </p:spTree>
     <p:extLst>
       <p:ext uri="{BB962C8B-B14F-4D97-AF65-F5344CB8AC3E}">
@@ -13222,7 +13343,7 @@
           <a:p>
             <a:fld id="{F4BF5EC7-594E-4D91-B803-77412DF475A4}" type="datetime1">
               <a:rPr lang="en-US" smtClean="0"/>
-              <a:t>4/26/2020</a:t>
+              <a:t>6/2/2020</a:t>
             </a:fld>
             <a:endParaRPr lang="en-US"/>
           </a:p>
@@ -13974,70 +14095,12 @@
           <a:chExt cx="0" cy="0"/>
         </a:xfrm>
       </p:grpSpPr>
-      <p:sp>
-        <p:nvSpPr>
-          <p:cNvPr id="4" name="Espaço Reservado para Data 3">
-            <a:extLst>
-              <a:ext uri="{FF2B5EF4-FFF2-40B4-BE49-F238E27FC236}">
-                <a16:creationId xmlns:a16="http://schemas.microsoft.com/office/drawing/2014/main" id="{B913EF9B-FF70-410E-ABD8-7CD0CDBAB1DF}"/>
-              </a:ext>
-            </a:extLst>
-          </p:cNvPr>
-          <p:cNvSpPr>
-            <a:spLocks noGrp="1"/>
-          </p:cNvSpPr>
-          <p:nvPr>
-            <p:ph type="dt" sz="half" idx="10"/>
-          </p:nvPr>
-        </p:nvSpPr>
-        <p:spPr/>
-        <p:txBody>
-          <a:bodyPr/>
-          <a:lstStyle/>
-          <a:p>
-            <a:fld id="{F4BF5EC7-594E-4D91-B803-77412DF475A4}" type="datetime1">
-              <a:rPr lang="en-US" smtClean="0"/>
-              <a:t>4/26/2020</a:t>
-            </a:fld>
-            <a:endParaRPr lang="en-US"/>
-          </a:p>
-        </p:txBody>
-      </p:sp>
-      <p:sp>
-        <p:nvSpPr>
-          <p:cNvPr id="5" name="Espaço Reservado para Número de Slide 4">
-            <a:extLst>
-              <a:ext uri="{FF2B5EF4-FFF2-40B4-BE49-F238E27FC236}">
-                <a16:creationId xmlns:a16="http://schemas.microsoft.com/office/drawing/2014/main" id="{CAA88F0E-14A8-4A0E-B27E-015F5D5DF1C1}"/>
-              </a:ext>
-            </a:extLst>
-          </p:cNvPr>
-          <p:cNvSpPr>
-            <a:spLocks noGrp="1"/>
-          </p:cNvSpPr>
-          <p:nvPr>
-            <p:ph type="sldNum" sz="quarter" idx="12"/>
-          </p:nvPr>
-        </p:nvSpPr>
-        <p:spPr/>
-        <p:txBody>
-          <a:bodyPr/>
-          <a:lstStyle/>
-          <a:p>
-            <a:fld id="{62ED1243-C1E9-4242-9C72-2A843FC4E208}" type="slidenum">
-              <a:rPr lang="en-US" smtClean="0"/>
-              <a:t>9</a:t>
-            </a:fld>
-            <a:endParaRPr lang="en-US"/>
-          </a:p>
-        </p:txBody>
-      </p:sp>
       <p:pic>
         <p:nvPicPr>
-          <p:cNvPr id="6" name="Imagem 5">
-            <a:extLst>
-              <a:ext uri="{FF2B5EF4-FFF2-40B4-BE49-F238E27FC236}">
-                <a16:creationId xmlns:a16="http://schemas.microsoft.com/office/drawing/2014/main" id="{6B36628F-CF63-4F72-B07E-6E6A3790D24E}"/>
+          <p:cNvPr id="2" name="Imagem 1">
+            <a:extLst>
+              <a:ext uri="{FF2B5EF4-FFF2-40B4-BE49-F238E27FC236}">
+                <a16:creationId xmlns:a16="http://schemas.microsoft.com/office/drawing/2014/main" id="{B065221A-5378-46B5-938B-36355F54533F}"/>
               </a:ext>
             </a:extLst>
           </p:cNvPr>
@@ -14054,8 +14117,8 @@
         </p:blipFill>
         <p:spPr>
           <a:xfrm>
-            <a:off x="3133484" y="843145"/>
-            <a:ext cx="5808488" cy="5982028"/>
+            <a:off x="3001885" y="814387"/>
+            <a:ext cx="5384469" cy="6048721"/>
           </a:xfrm>
           <a:prstGeom prst="rect">
             <a:avLst/>
@@ -14064,6 +14127,64 @@
       </p:pic>
       <p:sp>
         <p:nvSpPr>
+          <p:cNvPr id="4" name="Espaço Reservado para Data 3">
+            <a:extLst>
+              <a:ext uri="{FF2B5EF4-FFF2-40B4-BE49-F238E27FC236}">
+                <a16:creationId xmlns:a16="http://schemas.microsoft.com/office/drawing/2014/main" id="{B913EF9B-FF70-410E-ABD8-7CD0CDBAB1DF}"/>
+              </a:ext>
+            </a:extLst>
+          </p:cNvPr>
+          <p:cNvSpPr>
+            <a:spLocks noGrp="1"/>
+          </p:cNvSpPr>
+          <p:nvPr>
+            <p:ph type="dt" sz="half" idx="10"/>
+          </p:nvPr>
+        </p:nvSpPr>
+        <p:spPr/>
+        <p:txBody>
+          <a:bodyPr/>
+          <a:lstStyle/>
+          <a:p>
+            <a:fld id="{F4BF5EC7-594E-4D91-B803-77412DF475A4}" type="datetime1">
+              <a:rPr lang="en-US" smtClean="0"/>
+              <a:t>6/2/2020</a:t>
+            </a:fld>
+            <a:endParaRPr lang="en-US"/>
+          </a:p>
+        </p:txBody>
+      </p:sp>
+      <p:sp>
+        <p:nvSpPr>
+          <p:cNvPr id="5" name="Espaço Reservado para Número de Slide 4">
+            <a:extLst>
+              <a:ext uri="{FF2B5EF4-FFF2-40B4-BE49-F238E27FC236}">
+                <a16:creationId xmlns:a16="http://schemas.microsoft.com/office/drawing/2014/main" id="{CAA88F0E-14A8-4A0E-B27E-015F5D5DF1C1}"/>
+              </a:ext>
+            </a:extLst>
+          </p:cNvPr>
+          <p:cNvSpPr>
+            <a:spLocks noGrp="1"/>
+          </p:cNvSpPr>
+          <p:nvPr>
+            <p:ph type="sldNum" sz="quarter" idx="12"/>
+          </p:nvPr>
+        </p:nvSpPr>
+        <p:spPr/>
+        <p:txBody>
+          <a:bodyPr/>
+          <a:lstStyle/>
+          <a:p>
+            <a:fld id="{62ED1243-C1E9-4242-9C72-2A843FC4E208}" type="slidenum">
+              <a:rPr lang="en-US" smtClean="0"/>
+              <a:t>9</a:t>
+            </a:fld>
+            <a:endParaRPr lang="en-US"/>
+          </a:p>
+        </p:txBody>
+      </p:sp>
+      <p:sp>
+        <p:nvSpPr>
           <p:cNvPr id="7" name="Retângulo Arredondado 8">
             <a:extLst>
               <a:ext uri="{FF2B5EF4-FFF2-40B4-BE49-F238E27FC236}">
@@ -14076,8 +14197,8 @@
         </p:nvSpPr>
         <p:spPr>
           <a:xfrm>
-            <a:off x="3160832" y="1816274"/>
-            <a:ext cx="5693458" cy="388307"/>
+            <a:off x="3683726" y="1816274"/>
+            <a:ext cx="4415245" cy="388307"/>
           </a:xfrm>
           <a:prstGeom prst="roundRect">
             <a:avLst/>
@@ -14130,8 +14251,8 @@
         </p:nvSpPr>
         <p:spPr>
           <a:xfrm>
-            <a:off x="3162920" y="4511452"/>
-            <a:ext cx="5693458" cy="388307"/>
+            <a:off x="3657600" y="4519749"/>
+            <a:ext cx="4415246" cy="352697"/>
           </a:xfrm>
           <a:prstGeom prst="roundRect">
             <a:avLst/>
